--- a/Prezentacja.pptx
+++ b/Prezentacja.pptx
@@ -303,7 +303,7 @@
           <a:p>
             <a:fld id="{B1BFFA2A-227A-45A8-B6FA-82B9C19BD941}" type="datetimeFigureOut">
               <a:rPr lang="pl-PL" smtClean="0"/>
-              <a:t>2016-12-07</a:t>
+              <a:t>2016-12-08</a:t>
             </a:fld>
             <a:endParaRPr lang="pl-PL"/>
           </a:p>
@@ -473,7 +473,7 @@
           <a:p>
             <a:fld id="{B1BFFA2A-227A-45A8-B6FA-82B9C19BD941}" type="datetimeFigureOut">
               <a:rPr lang="pl-PL" smtClean="0"/>
-              <a:t>2016-12-07</a:t>
+              <a:t>2016-12-08</a:t>
             </a:fld>
             <a:endParaRPr lang="pl-PL"/>
           </a:p>
@@ -653,7 +653,7 @@
           <a:p>
             <a:fld id="{B1BFFA2A-227A-45A8-B6FA-82B9C19BD941}" type="datetimeFigureOut">
               <a:rPr lang="pl-PL" smtClean="0"/>
-              <a:t>2016-12-07</a:t>
+              <a:t>2016-12-08</a:t>
             </a:fld>
             <a:endParaRPr lang="pl-PL"/>
           </a:p>
@@ -823,7 +823,7 @@
           <a:p>
             <a:fld id="{B1BFFA2A-227A-45A8-B6FA-82B9C19BD941}" type="datetimeFigureOut">
               <a:rPr lang="pl-PL" smtClean="0"/>
-              <a:t>2016-12-07</a:t>
+              <a:t>2016-12-08</a:t>
             </a:fld>
             <a:endParaRPr lang="pl-PL"/>
           </a:p>
@@ -1069,7 +1069,7 @@
           <a:p>
             <a:fld id="{B1BFFA2A-227A-45A8-B6FA-82B9C19BD941}" type="datetimeFigureOut">
               <a:rPr lang="pl-PL" smtClean="0"/>
-              <a:t>2016-12-07</a:t>
+              <a:t>2016-12-08</a:t>
             </a:fld>
             <a:endParaRPr lang="pl-PL"/>
           </a:p>
@@ -1357,7 +1357,7 @@
           <a:p>
             <a:fld id="{B1BFFA2A-227A-45A8-B6FA-82B9C19BD941}" type="datetimeFigureOut">
               <a:rPr lang="pl-PL" smtClean="0"/>
-              <a:t>2016-12-07</a:t>
+              <a:t>2016-12-08</a:t>
             </a:fld>
             <a:endParaRPr lang="pl-PL"/>
           </a:p>
@@ -1779,7 +1779,7 @@
           <a:p>
             <a:fld id="{B1BFFA2A-227A-45A8-B6FA-82B9C19BD941}" type="datetimeFigureOut">
               <a:rPr lang="pl-PL" smtClean="0"/>
-              <a:t>2016-12-07</a:t>
+              <a:t>2016-12-08</a:t>
             </a:fld>
             <a:endParaRPr lang="pl-PL"/>
           </a:p>
@@ -1897,7 +1897,7 @@
           <a:p>
             <a:fld id="{B1BFFA2A-227A-45A8-B6FA-82B9C19BD941}" type="datetimeFigureOut">
               <a:rPr lang="pl-PL" smtClean="0"/>
-              <a:t>2016-12-07</a:t>
+              <a:t>2016-12-08</a:t>
             </a:fld>
             <a:endParaRPr lang="pl-PL"/>
           </a:p>
@@ -1992,7 +1992,7 @@
           <a:p>
             <a:fld id="{B1BFFA2A-227A-45A8-B6FA-82B9C19BD941}" type="datetimeFigureOut">
               <a:rPr lang="pl-PL" smtClean="0"/>
-              <a:t>2016-12-07</a:t>
+              <a:t>2016-12-08</a:t>
             </a:fld>
             <a:endParaRPr lang="pl-PL"/>
           </a:p>
@@ -2269,7 +2269,7 @@
           <a:p>
             <a:fld id="{B1BFFA2A-227A-45A8-B6FA-82B9C19BD941}" type="datetimeFigureOut">
               <a:rPr lang="pl-PL" smtClean="0"/>
-              <a:t>2016-12-07</a:t>
+              <a:t>2016-12-08</a:t>
             </a:fld>
             <a:endParaRPr lang="pl-PL"/>
           </a:p>
@@ -2522,7 +2522,7 @@
           <a:p>
             <a:fld id="{B1BFFA2A-227A-45A8-B6FA-82B9C19BD941}" type="datetimeFigureOut">
               <a:rPr lang="pl-PL" smtClean="0"/>
-              <a:t>2016-12-07</a:t>
+              <a:t>2016-12-08</a:t>
             </a:fld>
             <a:endParaRPr lang="pl-PL"/>
           </a:p>
@@ -2590,12 +2590,12 @@
       <p:bgPr>
         <a:blipFill dpi="0" rotWithShape="1">
           <a:blip r:embed="rId13">
-            <a:alphaModFix amt="56000"/>
+            <a:alphaModFix amt="27000"/>
             <a:lum/>
           </a:blip>
           <a:srcRect/>
           <a:stretch>
-            <a:fillRect l="-17000" t="39000" r="-17000" b="-39000"/>
+            <a:fillRect t="39000" b="-39000"/>
           </a:stretch>
         </a:blipFill>
         <a:effectLst/>
@@ -2745,7 +2745,7 @@
           <a:p>
             <a:fld id="{B1BFFA2A-227A-45A8-B6FA-82B9C19BD941}" type="datetimeFigureOut">
               <a:rPr lang="pl-PL" smtClean="0"/>
-              <a:t>2016-12-07</a:t>
+              <a:t>2016-12-08</a:t>
             </a:fld>
             <a:endParaRPr lang="pl-PL"/>
           </a:p>
@@ -3110,12 +3110,12 @@
       <p:bgPr>
         <a:blipFill dpi="0" rotWithShape="1">
           <a:blip r:embed="rId2">
-            <a:alphaModFix amt="56000"/>
+            <a:alphaModFix amt="60000"/>
             <a:lum/>
           </a:blip>
           <a:srcRect/>
           <a:stretch>
-            <a:fillRect l="-17000" t="17000" r="-17000" b="-17000"/>
+            <a:fillRect t="17000" b="-17000"/>
           </a:stretch>
         </a:blipFill>
         <a:effectLst/>
@@ -3771,21 +3771,6 @@
 <file path=ppt/slides/slide10.xml><?xml version="1.0" encoding="utf-8"?>
 <p:sld xmlns:a="http://schemas.openxmlformats.org/drawingml/2006/main" xmlns:r="http://schemas.openxmlformats.org/officeDocument/2006/relationships" xmlns:p="http://schemas.openxmlformats.org/presentationml/2006/main">
   <p:cSld>
-    <p:bg>
-      <p:bgPr>
-        <a:blipFill dpi="0" rotWithShape="1">
-          <a:blip r:embed="rId2">
-            <a:alphaModFix amt="27000"/>
-            <a:lum/>
-          </a:blip>
-          <a:srcRect/>
-          <a:stretch>
-            <a:fillRect l="-17000" t="39000" r="-17000" b="-39000"/>
-          </a:stretch>
-        </a:blipFill>
-        <a:effectLst/>
-      </p:bgPr>
-    </p:bg>
     <p:spTree>
       <p:nvGrpSpPr>
         <p:cNvPr id="1" name=""/>
@@ -5899,17 +5884,7 @@
                   </a:schemeClr>
                 </a:solidFill>
               </a:rPr>
-              <a:t>Emisja metanu z poszczególnych źródeł </a:t>
-            </a:r>
-            <a:r>
-              <a:rPr lang="pl-PL" sz="2000" dirty="0" smtClean="0">
-                <a:solidFill>
-                  <a:schemeClr val="accent6">
-                    <a:lumMod val="75000"/>
-                  </a:schemeClr>
-                </a:solidFill>
-              </a:rPr>
-              <a:t>(podział na 4 dekady)</a:t>
+              <a:t>Emisja metanu z poszczególnych źródeł (podział na 4 dekady)</a:t>
             </a:r>
           </a:p>
           <a:p>
@@ -8507,12 +8482,12 @@
       <p:bgPr>
         <a:blipFill dpi="0" rotWithShape="1">
           <a:blip r:embed="rId2">
-            <a:alphaModFix amt="56000"/>
+            <a:alphaModFix amt="57000"/>
             <a:lum/>
           </a:blip>
           <a:srcRect/>
           <a:stretch>
-            <a:fillRect l="-17000" t="17000" r="-17000" b="-17000"/>
+            <a:fillRect t="17000" b="-17000"/>
           </a:stretch>
         </a:blipFill>
         <a:effectLst/>
@@ -10314,21 +10289,6 @@
 <file path=ppt/slides/slide6.xml><?xml version="1.0" encoding="utf-8"?>
 <p:sld xmlns:a="http://schemas.openxmlformats.org/drawingml/2006/main" xmlns:r="http://schemas.openxmlformats.org/officeDocument/2006/relationships" xmlns:p="http://schemas.openxmlformats.org/presentationml/2006/main">
   <p:cSld>
-    <p:bg>
-      <p:bgPr>
-        <a:blipFill dpi="0" rotWithShape="1">
-          <a:blip r:embed="rId2">
-            <a:alphaModFix amt="27000"/>
-            <a:lum/>
-          </a:blip>
-          <a:srcRect/>
-          <a:stretch>
-            <a:fillRect l="-17000" t="39000" r="-17000" b="-39000"/>
-          </a:stretch>
-        </a:blipFill>
-        <a:effectLst/>
-      </p:bgPr>
-    </p:bg>
     <p:spTree>
       <p:nvGrpSpPr>
         <p:cNvPr id="1" name=""/>
@@ -10446,7 +10406,7 @@
           <p:nvPr/>
         </p:nvPicPr>
         <p:blipFill>
-          <a:blip r:embed="rId3" cstate="print">
+          <a:blip r:embed="rId2" cstate="print">
             <a:extLst>
               <a:ext uri="{28A0092B-C50C-407E-A947-70E740481C1C}">
                 <a14:useLocalDpi xmlns:a14="http://schemas.microsoft.com/office/drawing/2010/main" val="0"/>
@@ -10881,21 +10841,6 @@
 <file path=ppt/slides/slide7.xml><?xml version="1.0" encoding="utf-8"?>
 <p:sld xmlns:a="http://schemas.openxmlformats.org/drawingml/2006/main" xmlns:r="http://schemas.openxmlformats.org/officeDocument/2006/relationships" xmlns:p="http://schemas.openxmlformats.org/presentationml/2006/main">
   <p:cSld>
-    <p:bg>
-      <p:bgPr>
-        <a:blipFill dpi="0" rotWithShape="1">
-          <a:blip r:embed="rId2">
-            <a:alphaModFix amt="28000"/>
-            <a:lum/>
-          </a:blip>
-          <a:srcRect/>
-          <a:stretch>
-            <a:fillRect l="-17000" t="39000" r="-17000" b="-39000"/>
-          </a:stretch>
-        </a:blipFill>
-        <a:effectLst/>
-      </p:bgPr>
-    </p:bg>
     <p:spTree>
       <p:nvGrpSpPr>
         <p:cNvPr id="1" name=""/>
@@ -11013,7 +10958,7 @@
           <p:nvPr/>
         </p:nvPicPr>
         <p:blipFill>
-          <a:blip r:embed="rId3">
+          <a:blip r:embed="rId2">
             <a:extLst>
               <a:ext uri="{28A0092B-C50C-407E-A947-70E740481C1C}">
                 <a14:useLocalDpi xmlns:a14="http://schemas.microsoft.com/office/drawing/2010/main" val="0"/>
